--- a/lectures/12/Analysis and Interpretation Multiple Variables Simultaneously.pptx
+++ b/lectures/12/Analysis and Interpretation Multiple Variables Simultaneously.pptx
@@ -5,10 +5,10 @@
     <p:sldMasterId id="2147483648" r:id="rId4"/>
   </p:sldMasterIdLst>
   <p:notesMasterIdLst>
-    <p:notesMasterId r:id="rId32"/>
+    <p:notesMasterId r:id="rId33"/>
   </p:notesMasterIdLst>
   <p:handoutMasterIdLst>
-    <p:handoutMasterId r:id="rId33"/>
+    <p:handoutMasterId r:id="rId34"/>
   </p:handoutMasterIdLst>
   <p:sldIdLst>
     <p:sldId id="256" r:id="rId5"/>
@@ -38,6 +38,7 @@
     <p:sldId id="287" r:id="rId29"/>
     <p:sldId id="289" r:id="rId30"/>
     <p:sldId id="290" r:id="rId31"/>
+    <p:sldId id="291" r:id="rId32"/>
   </p:sldIdLst>
   <p:sldSz cx="12192000" cy="6858000"/>
   <p:notesSz cx="6858000" cy="9144000"/>
@@ -3266,7 +3267,7 @@
           <a:p>
             <a:fld id="{73B2889B-A0AC-4482-8592-5C96F2309420}" type="datetimeFigureOut">
               <a:rPr lang="en-US" smtClean="0"/>
-              <a:t>8/14/2021</a:t>
+              <a:t>10/10/2021</a:t>
             </a:fld>
             <a:endParaRPr lang="en-US"/>
           </a:p>
@@ -3443,7 +3444,7 @@
           <a:p>
             <a:fld id="{830EB223-FFC0-462A-A3B8-EAA7CE0F8CBD}" type="datetimeFigureOut">
               <a:rPr lang="en-US" smtClean="0"/>
-              <a:t>8/14/2021</a:t>
+              <a:t>10/10/2021</a:t>
             </a:fld>
             <a:endParaRPr lang="en-US" dirty="0"/>
           </a:p>
@@ -4139,7 +4140,7 @@
           <a:p>
             <a:fld id="{DECF21A4-E71B-4D3A-AF45-E989C23A7BB1}" type="datetimeFigureOut">
               <a:rPr lang="en-US" smtClean="0"/>
-              <a:t>8/14/2021</a:t>
+              <a:t>10/10/2021</a:t>
             </a:fld>
             <a:endParaRPr lang="en-US" dirty="0"/>
           </a:p>
@@ -4337,7 +4338,7 @@
           <a:p>
             <a:fld id="{DECF21A4-E71B-4D3A-AF45-E989C23A7BB1}" type="datetimeFigureOut">
               <a:rPr lang="en-US" smtClean="0"/>
-              <a:t>8/14/2021</a:t>
+              <a:t>10/10/2021</a:t>
             </a:fld>
             <a:endParaRPr lang="en-US" dirty="0"/>
           </a:p>
@@ -4545,7 +4546,7 @@
           <a:p>
             <a:fld id="{DECF21A4-E71B-4D3A-AF45-E989C23A7BB1}" type="datetimeFigureOut">
               <a:rPr lang="en-US" smtClean="0"/>
-              <a:t>8/14/2021</a:t>
+              <a:t>10/10/2021</a:t>
             </a:fld>
             <a:endParaRPr lang="en-US" dirty="0"/>
           </a:p>
@@ -4743,7 +4744,7 @@
           <a:p>
             <a:fld id="{DECF21A4-E71B-4D3A-AF45-E989C23A7BB1}" type="datetimeFigureOut">
               <a:rPr lang="en-US" smtClean="0"/>
-              <a:t>8/14/2021</a:t>
+              <a:t>10/10/2021</a:t>
             </a:fld>
             <a:endParaRPr lang="en-US" dirty="0"/>
           </a:p>
@@ -5018,7 +5019,7 @@
           <a:p>
             <a:fld id="{DECF21A4-E71B-4D3A-AF45-E989C23A7BB1}" type="datetimeFigureOut">
               <a:rPr lang="en-US" smtClean="0"/>
-              <a:t>8/14/2021</a:t>
+              <a:t>10/10/2021</a:t>
             </a:fld>
             <a:endParaRPr lang="en-US" dirty="0"/>
           </a:p>
@@ -5283,7 +5284,7 @@
           <a:p>
             <a:fld id="{DECF21A4-E71B-4D3A-AF45-E989C23A7BB1}" type="datetimeFigureOut">
               <a:rPr lang="en-US" smtClean="0"/>
-              <a:t>8/14/2021</a:t>
+              <a:t>10/10/2021</a:t>
             </a:fld>
             <a:endParaRPr lang="en-US" dirty="0"/>
           </a:p>
@@ -5695,7 +5696,7 @@
           <a:p>
             <a:fld id="{DECF21A4-E71B-4D3A-AF45-E989C23A7BB1}" type="datetimeFigureOut">
               <a:rPr lang="en-US" smtClean="0"/>
-              <a:t>8/14/2021</a:t>
+              <a:t>10/10/2021</a:t>
             </a:fld>
             <a:endParaRPr lang="en-US" dirty="0"/>
           </a:p>
@@ -5836,7 +5837,7 @@
           <a:p>
             <a:fld id="{DECF21A4-E71B-4D3A-AF45-E989C23A7BB1}" type="datetimeFigureOut">
               <a:rPr lang="en-US" smtClean="0"/>
-              <a:t>8/14/2021</a:t>
+              <a:t>10/10/2021</a:t>
             </a:fld>
             <a:endParaRPr lang="en-US" dirty="0"/>
           </a:p>
@@ -5949,7 +5950,7 @@
           <a:p>
             <a:fld id="{DECF21A4-E71B-4D3A-AF45-E989C23A7BB1}" type="datetimeFigureOut">
               <a:rPr lang="en-US" smtClean="0"/>
-              <a:t>8/14/2021</a:t>
+              <a:t>10/10/2021</a:t>
             </a:fld>
             <a:endParaRPr lang="en-US" dirty="0"/>
           </a:p>
@@ -6260,7 +6261,7 @@
           <a:p>
             <a:fld id="{DECF21A4-E71B-4D3A-AF45-E989C23A7BB1}" type="datetimeFigureOut">
               <a:rPr lang="en-US" smtClean="0"/>
-              <a:t>8/14/2021</a:t>
+              <a:t>10/10/2021</a:t>
             </a:fld>
             <a:endParaRPr lang="en-US" dirty="0"/>
           </a:p>
@@ -6552,7 +6553,7 @@
           <a:p>
             <a:fld id="{DECF21A4-E71B-4D3A-AF45-E989C23A7BB1}" type="datetimeFigureOut">
               <a:rPr lang="en-US" smtClean="0"/>
-              <a:t>8/14/2021</a:t>
+              <a:t>10/10/2021</a:t>
             </a:fld>
             <a:endParaRPr lang="en-US" dirty="0"/>
           </a:p>
@@ -6793,7 +6794,7 @@
           <a:p>
             <a:fld id="{DECF21A4-E71B-4D3A-AF45-E989C23A7BB1}" type="datetimeFigureOut">
               <a:rPr lang="en-US" smtClean="0"/>
-              <a:t>8/14/2021</a:t>
+              <a:t>10/10/2021</a:t>
             </a:fld>
             <a:endParaRPr lang="en-US" dirty="0"/>
           </a:p>
@@ -12471,8 +12472,8 @@
           </a:p>
         </p:txBody>
       </p:sp>
-      <mc:AlternateContent xmlns:mc="http://schemas.openxmlformats.org/markup-compatibility/2006">
-        <mc:Choice xmlns:a14="http://schemas.microsoft.com/office/drawing/2010/main" Requires="a14">
+      <mc:AlternateContent xmlns:mc="http://schemas.openxmlformats.org/markup-compatibility/2006" xmlns:a14="http://schemas.microsoft.com/office/drawing/2010/main">
+        <mc:Choice Requires="a14">
           <p:sp>
             <p:nvSpPr>
               <p:cNvPr id="3" name="Content Placeholder 2">
@@ -12551,7 +12552,7 @@
             </p:txBody>
           </p:sp>
         </mc:Choice>
-        <mc:Fallback>
+        <mc:Fallback xmlns="">
           <p:sp>
             <p:nvSpPr>
               <p:cNvPr id="3" name="Content Placeholder 2">
@@ -18242,8 +18243,8 @@
           </a:p>
         </p:txBody>
       </p:sp>
-      <mc:AlternateContent xmlns:mc="http://schemas.openxmlformats.org/markup-compatibility/2006">
-        <mc:Choice xmlns:a14="http://schemas.microsoft.com/office/drawing/2010/main" Requires="a14">
+      <mc:AlternateContent xmlns:mc="http://schemas.openxmlformats.org/markup-compatibility/2006" xmlns:a14="http://schemas.microsoft.com/office/drawing/2010/main">
+        <mc:Choice Requires="a14">
           <p:sp>
             <p:nvSpPr>
               <p:cNvPr id="2" name="Title 1">
@@ -18313,7 +18314,7 @@
             </p:txBody>
           </p:sp>
         </mc:Choice>
-        <mc:Fallback>
+        <mc:Fallback xmlns="">
           <p:sp>
             <p:nvSpPr>
               <p:cNvPr id="2" name="Title 1">
@@ -20091,6 +20092,124 @@
     <p:extLst>
       <p:ext uri="{BB962C8B-B14F-4D97-AF65-F5344CB8AC3E}">
         <p14:creationId xmlns:p14="http://schemas.microsoft.com/office/powerpoint/2010/main" val="4227818884"/>
+      </p:ext>
+    </p:extLst>
+  </p:cSld>
+  <p:clrMapOvr>
+    <a:masterClrMapping/>
+  </p:clrMapOvr>
+</p:sld>
+</file>
+
+<file path=ppt/slides/slide28.xml><?xml version="1.0" encoding="utf-8"?>
+<p:sld xmlns:a="http://schemas.openxmlformats.org/drawingml/2006/main" xmlns:r="http://schemas.openxmlformats.org/officeDocument/2006/relationships" xmlns:p="http://schemas.openxmlformats.org/presentationml/2006/main">
+  <p:cSld>
+    <p:spTree>
+      <p:nvGrpSpPr>
+        <p:cNvPr id="1" name=""/>
+        <p:cNvGrpSpPr/>
+        <p:nvPr/>
+      </p:nvGrpSpPr>
+      <p:grpSpPr>
+        <a:xfrm>
+          <a:off x="0" y="0"/>
+          <a:ext cx="0" cy="0"/>
+          <a:chOff x="0" y="0"/>
+          <a:chExt cx="0" cy="0"/>
+        </a:xfrm>
+      </p:grpSpPr>
+      <p:sp>
+        <p:nvSpPr>
+          <p:cNvPr id="2" name="Title 1">
+            <a:extLst>
+              <a:ext uri="{FF2B5EF4-FFF2-40B4-BE49-F238E27FC236}">
+                <a16:creationId xmlns:a16="http://schemas.microsoft.com/office/drawing/2014/main" id="{547D1371-AF09-4B5D-8375-7EF63E8DED53}"/>
+              </a:ext>
+            </a:extLst>
+          </p:cNvPr>
+          <p:cNvSpPr>
+            <a:spLocks noGrp="1"/>
+          </p:cNvSpPr>
+          <p:nvPr>
+            <p:ph type="title"/>
+          </p:nvPr>
+        </p:nvSpPr>
+        <p:spPr/>
+        <p:txBody>
+          <a:bodyPr/>
+          <a:lstStyle/>
+          <a:p>
+            <a:r>
+              <a:rPr lang="en-US" dirty="0"/>
+              <a:t>Project Presentation</a:t>
+            </a:r>
+          </a:p>
+        </p:txBody>
+      </p:sp>
+      <p:sp>
+        <p:nvSpPr>
+          <p:cNvPr id="3" name="Content Placeholder 2">
+            <a:extLst>
+              <a:ext uri="{FF2B5EF4-FFF2-40B4-BE49-F238E27FC236}">
+                <a16:creationId xmlns:a16="http://schemas.microsoft.com/office/drawing/2014/main" id="{36F0ACDB-5B81-4E4A-97BC-FF36E0ED7F3B}"/>
+              </a:ext>
+            </a:extLst>
+          </p:cNvPr>
+          <p:cNvSpPr>
+            <a:spLocks noGrp="1"/>
+          </p:cNvSpPr>
+          <p:nvPr>
+            <p:ph idx="1"/>
+          </p:nvPr>
+        </p:nvSpPr>
+        <p:spPr/>
+        <p:txBody>
+          <a:bodyPr/>
+          <a:lstStyle/>
+          <a:p>
+            <a:r>
+              <a:rPr lang="en-US" dirty="0"/>
+              <a:t>Each team will have 30 mins </a:t>
+            </a:r>
+          </a:p>
+          <a:p>
+            <a:pPr lvl="1"/>
+            <a:r>
+              <a:rPr lang="en-US" dirty="0"/>
+              <a:t>15 mins to present the project </a:t>
+            </a:r>
+          </a:p>
+          <a:p>
+            <a:pPr lvl="1"/>
+            <a:r>
+              <a:rPr lang="en-US" dirty="0"/>
+              <a:t>15 mins for discussion and questions</a:t>
+            </a:r>
+          </a:p>
+          <a:p>
+            <a:r>
+              <a:rPr lang="en-US" dirty="0"/>
+              <a:t>Sign-up Sheet</a:t>
+            </a:r>
+          </a:p>
+          <a:p>
+            <a:pPr lvl="1"/>
+            <a:r>
+              <a:rPr lang="en-US" dirty="0"/>
+              <a:t>3 </a:t>
+            </a:r>
+            <a:r>
+              <a:rPr lang="en-US"/>
+              <a:t>class sessions</a:t>
+            </a:r>
+            <a:endParaRPr lang="en-US" dirty="0"/>
+          </a:p>
+        </p:txBody>
+      </p:sp>
+    </p:spTree>
+    <p:extLst>
+      <p:ext uri="{BB962C8B-B14F-4D97-AF65-F5344CB8AC3E}">
+        <p14:creationId xmlns:p14="http://schemas.microsoft.com/office/powerpoint/2010/main" val="3338512340"/>
       </p:ext>
     </p:extLst>
   </p:cSld>
@@ -25653,6 +25772,14 @@
 </file>
 
 <file path=customXml/item1.xml><?xml version="1.0" encoding="utf-8"?>
+<p:properties xmlns:p="http://schemas.microsoft.com/office/2006/metadata/properties" xmlns:xsi="http://www.w3.org/2001/XMLSchema-instance" xmlns:pc="http://schemas.microsoft.com/office/infopath/2007/PartnerControls">
+  <documentManagement>
+    <MediaServiceKeyPoints xmlns="71af3243-3dd4-4a8d-8c0d-dd76da1f02a5" xsi:nil="true"/>
+  </documentManagement>
+</p:properties>
+</file>
+
+<file path=customXml/item2.xml><?xml version="1.0" encoding="utf-8"?>
 <ct:contentTypeSchema xmlns:ct="http://schemas.microsoft.com/office/2006/metadata/contentType" xmlns:ma="http://schemas.microsoft.com/office/2006/metadata/properties/metaAttributes" ct:_="" ma:_="" ma:contentTypeName="Document" ma:contentTypeID="0x01010079F111ED35F8CC479449609E8A0923A6" ma:contentTypeVersion="11" ma:contentTypeDescription="Create a new document." ma:contentTypeScope="" ma:versionID="96291512c1ee715ab617f4c07df79fc1">
   <xsd:schema xmlns:xsd="http://www.w3.org/2001/XMLSchema" xmlns:xs="http://www.w3.org/2001/XMLSchema" xmlns:p="http://schemas.microsoft.com/office/2006/metadata/properties" xmlns:ns2="71af3243-3dd4-4a8d-8c0d-dd76da1f02a5" xmlns:ns3="16c05727-aa75-4e4a-9b5f-8a80a1165891" targetNamespace="http://schemas.microsoft.com/office/2006/metadata/properties" ma:root="true" ma:fieldsID="8256c27c40ca5c40ce1cf6c44f0205df" ns2:_="" ns3:_="">
     <xsd:import namespace="71af3243-3dd4-4a8d-8c0d-dd76da1f02a5"/>
@@ -25863,14 +25990,6 @@
 </ct:contentTypeSchema>
 </file>
 
-<file path=customXml/item2.xml><?xml version="1.0" encoding="utf-8"?>
-<p:properties xmlns:p="http://schemas.microsoft.com/office/2006/metadata/properties" xmlns:xsi="http://www.w3.org/2001/XMLSchema-instance" xmlns:pc="http://schemas.microsoft.com/office/infopath/2007/PartnerControls">
-  <documentManagement>
-    <MediaServiceKeyPoints xmlns="71af3243-3dd4-4a8d-8c0d-dd76da1f02a5" xsi:nil="true"/>
-  </documentManagement>
-</p:properties>
-</file>
-
 <file path=customXml/item3.xml><?xml version="1.0" encoding="utf-8"?>
 <?mso-contentType ?>
 <FormTemplates xmlns="http://schemas.microsoft.com/sharepoint/v3/contenttype/forms">
@@ -25881,6 +26000,16 @@
 </file>
 
 <file path=customXml/itemProps1.xml><?xml version="1.0" encoding="utf-8"?>
+<ds:datastoreItem xmlns:ds="http://schemas.openxmlformats.org/officeDocument/2006/customXml" ds:itemID="{03C7D9E6-B0D9-433E-BD46-EB60F64F4DA8}">
+  <ds:schemaRefs>
+    <ds:schemaRef ds:uri="http://schemas.microsoft.com/office/2006/metadata/properties"/>
+    <ds:schemaRef ds:uri="http://schemas.microsoft.com/office/infopath/2007/PartnerControls"/>
+    <ds:schemaRef ds:uri="71af3243-3dd4-4a8d-8c0d-dd76da1f02a5"/>
+  </ds:schemaRefs>
+</ds:datastoreItem>
+</file>
+
+<file path=customXml/itemProps2.xml><?xml version="1.0" encoding="utf-8"?>
 <ds:datastoreItem xmlns:ds="http://schemas.openxmlformats.org/officeDocument/2006/customXml" ds:itemID="{B2AB02E3-5ADF-4BF0-9C1B-35CDF3FE95B0}">
   <ds:schemaRefs>
     <ds:schemaRef ds:uri="http://schemas.microsoft.com/office/2006/metadata/contentType"/>
@@ -25899,16 +26028,6 @@
 </ds:datastoreItem>
 </file>
 
-<file path=customXml/itemProps2.xml><?xml version="1.0" encoding="utf-8"?>
-<ds:datastoreItem xmlns:ds="http://schemas.openxmlformats.org/officeDocument/2006/customXml" ds:itemID="{03C7D9E6-B0D9-433E-BD46-EB60F64F4DA8}">
-  <ds:schemaRefs>
-    <ds:schemaRef ds:uri="http://schemas.microsoft.com/office/2006/metadata/properties"/>
-    <ds:schemaRef ds:uri="http://schemas.microsoft.com/office/infopath/2007/PartnerControls"/>
-    <ds:schemaRef ds:uri="71af3243-3dd4-4a8d-8c0d-dd76da1f02a5"/>
-  </ds:schemaRefs>
-</ds:datastoreItem>
-</file>
-
 <file path=customXml/itemProps3.xml><?xml version="1.0" encoding="utf-8"?>
 <ds:datastoreItem xmlns:ds="http://schemas.openxmlformats.org/officeDocument/2006/customXml" ds:itemID="{5CA875DA-F9FD-4F83-A049-3B1027B542DE}">
   <ds:schemaRefs>
